--- a/JavaScript Testing.pptx
+++ b/JavaScript Testing.pptx
@@ -3237,27 +3237,31 @@
         <p:spPr/>
         <p:txBody>
           <a:bodyPr>
-            <a:normAutofit fontScale="85000" lnSpcReduction="20000"/>
+            <a:normAutofit fontScale="92500" lnSpcReduction="20000"/>
           </a:bodyPr>
           <a:lstStyle/>
           <a:p>
             <a:r>
               <a:rPr lang="en-US" sz="3600" dirty="0" smtClean="0"/>
-              <a:t>Follow me on Twitter: @</a:t>
-            </a:r>
+              <a:t>GitHub</a:t>
+            </a:r>
+            <a:r>
+              <a:rPr lang="en-US" sz="3600" dirty="0" smtClean="0"/>
+              <a:t>: </a:t>
+            </a:r>
+            <a:r>
+              <a:rPr lang="en-US" sz="3600" dirty="0"/>
+              <a:t>https://github.com/johnvpetersen</a:t>
+            </a:r>
+            <a:r>
+              <a:rPr lang="en-US" sz="3600" dirty="0" smtClean="0"/>
+              <a:t>/</a:t>
+            </a:r>
+          </a:p>
+          <a:p>
             <a:r>
               <a:rPr lang="en-US" sz="3600" dirty="0" err="1" smtClean="0"/>
-              <a:t>johnvpetersen</a:t>
-            </a:r>
-            <a:endParaRPr lang="en-US" sz="3600" dirty="0" smtClean="0"/>
-          </a:p>
-          <a:p>
-            <a:endParaRPr lang="en-US" sz="3600" dirty="0"/>
-          </a:p>
-          <a:p>
-            <a:r>
-              <a:rPr lang="en-US" sz="3600" smtClean="0"/>
-              <a:t>GitHub: </a:t>
+              <a:t>JavaScriptTesting</a:t>
             </a:r>
             <a:endParaRPr lang="en-US" sz="3600" dirty="0"/>
           </a:p>
